--- a/relazione/Schemi a stati finiti/FCFS/schema a stati finiti FCFS.pptx
+++ b/relazione/Schemi a stati finiti/FCFS/schema a stati finiti FCFS.pptx
@@ -259,7 +259,7 @@
           <a:p>
             <a:fld id="{E37FEF2E-7F94-4BD0-8E53-36961B821D44}" type="datetimeFigureOut">
               <a:rPr lang="it-IT" smtClean="0"/>
-              <a:t>16/11/2020</a:t>
+              <a:t>30/11/2020</a:t>
             </a:fld>
             <a:endParaRPr lang="it-IT"/>
           </a:p>
@@ -457,7 +457,7 @@
           <a:p>
             <a:fld id="{E37FEF2E-7F94-4BD0-8E53-36961B821D44}" type="datetimeFigureOut">
               <a:rPr lang="it-IT" smtClean="0"/>
-              <a:t>16/11/2020</a:t>
+              <a:t>30/11/2020</a:t>
             </a:fld>
             <a:endParaRPr lang="it-IT"/>
           </a:p>
@@ -665,7 +665,7 @@
           <a:p>
             <a:fld id="{E37FEF2E-7F94-4BD0-8E53-36961B821D44}" type="datetimeFigureOut">
               <a:rPr lang="it-IT" smtClean="0"/>
-              <a:t>16/11/2020</a:t>
+              <a:t>30/11/2020</a:t>
             </a:fld>
             <a:endParaRPr lang="it-IT"/>
           </a:p>
@@ -863,7 +863,7 @@
           <a:p>
             <a:fld id="{E37FEF2E-7F94-4BD0-8E53-36961B821D44}" type="datetimeFigureOut">
               <a:rPr lang="it-IT" smtClean="0"/>
-              <a:t>16/11/2020</a:t>
+              <a:t>30/11/2020</a:t>
             </a:fld>
             <a:endParaRPr lang="it-IT"/>
           </a:p>
@@ -1138,7 +1138,7 @@
           <a:p>
             <a:fld id="{E37FEF2E-7F94-4BD0-8E53-36961B821D44}" type="datetimeFigureOut">
               <a:rPr lang="it-IT" smtClean="0"/>
-              <a:t>16/11/2020</a:t>
+              <a:t>30/11/2020</a:t>
             </a:fld>
             <a:endParaRPr lang="it-IT"/>
           </a:p>
@@ -1403,7 +1403,7 @@
           <a:p>
             <a:fld id="{E37FEF2E-7F94-4BD0-8E53-36961B821D44}" type="datetimeFigureOut">
               <a:rPr lang="it-IT" smtClean="0"/>
-              <a:t>16/11/2020</a:t>
+              <a:t>30/11/2020</a:t>
             </a:fld>
             <a:endParaRPr lang="it-IT"/>
           </a:p>
@@ -1815,7 +1815,7 @@
           <a:p>
             <a:fld id="{E37FEF2E-7F94-4BD0-8E53-36961B821D44}" type="datetimeFigureOut">
               <a:rPr lang="it-IT" smtClean="0"/>
-              <a:t>16/11/2020</a:t>
+              <a:t>30/11/2020</a:t>
             </a:fld>
             <a:endParaRPr lang="it-IT"/>
           </a:p>
@@ -1956,7 +1956,7 @@
           <a:p>
             <a:fld id="{E37FEF2E-7F94-4BD0-8E53-36961B821D44}" type="datetimeFigureOut">
               <a:rPr lang="it-IT" smtClean="0"/>
-              <a:t>16/11/2020</a:t>
+              <a:t>30/11/2020</a:t>
             </a:fld>
             <a:endParaRPr lang="it-IT"/>
           </a:p>
@@ -2069,7 +2069,7 @@
           <a:p>
             <a:fld id="{E37FEF2E-7F94-4BD0-8E53-36961B821D44}" type="datetimeFigureOut">
               <a:rPr lang="it-IT" smtClean="0"/>
-              <a:t>16/11/2020</a:t>
+              <a:t>30/11/2020</a:t>
             </a:fld>
             <a:endParaRPr lang="it-IT"/>
           </a:p>
@@ -2380,7 +2380,7 @@
           <a:p>
             <a:fld id="{E37FEF2E-7F94-4BD0-8E53-36961B821D44}" type="datetimeFigureOut">
               <a:rPr lang="it-IT" smtClean="0"/>
-              <a:t>16/11/2020</a:t>
+              <a:t>30/11/2020</a:t>
             </a:fld>
             <a:endParaRPr lang="it-IT"/>
           </a:p>
@@ -2668,7 +2668,7 @@
           <a:p>
             <a:fld id="{E37FEF2E-7F94-4BD0-8E53-36961B821D44}" type="datetimeFigureOut">
               <a:rPr lang="it-IT" smtClean="0"/>
-              <a:t>16/11/2020</a:t>
+              <a:t>30/11/2020</a:t>
             </a:fld>
             <a:endParaRPr lang="it-IT"/>
           </a:p>
@@ -2909,7 +2909,7 @@
           <a:p>
             <a:fld id="{E37FEF2E-7F94-4BD0-8E53-36961B821D44}" type="datetimeFigureOut">
               <a:rPr lang="it-IT" smtClean="0"/>
-              <a:t>16/11/2020</a:t>
+              <a:t>30/11/2020</a:t>
             </a:fld>
             <a:endParaRPr lang="it-IT"/>
           </a:p>
@@ -3551,7 +3551,7 @@
         <p:spPr>
           <a:xfrm>
             <a:off x="425303" y="1310727"/>
-            <a:ext cx="1626782" cy="276999"/>
+            <a:ext cx="1626782" cy="523220"/>
           </a:xfrm>
           <a:prstGeom prst="rect">
             <a:avLst/>
@@ -3565,7 +3565,7 @@
           <a:lstStyle/>
           <a:p>
             <a:r>
-              <a:rPr lang="it-IT" sz="1200" dirty="0"/>
+              <a:rPr lang="it-IT" sz="1400" b="1" dirty="0"/>
               <a:t>time_arriving == timing</a:t>
             </a:r>
           </a:p>
@@ -3715,8 +3715,8 @@
         </p:nvSpPr>
         <p:spPr>
           <a:xfrm>
-            <a:off x="2041450" y="3932792"/>
-            <a:ext cx="2115879" cy="276999"/>
+            <a:off x="1966611" y="3685646"/>
+            <a:ext cx="2115879" cy="523220"/>
           </a:xfrm>
           <a:prstGeom prst="rect">
             <a:avLst/>
@@ -3730,18 +3730,18 @@
           <a:lstStyle/>
           <a:p>
             <a:r>
-              <a:rPr lang="it-IT" sz="1200" dirty="0" err="1"/>
+              <a:rPr lang="it-IT" sz="1400" b="1" dirty="0" err="1"/>
               <a:t>count_is_running</a:t>
             </a:r>
             <a:r>
-              <a:rPr lang="it-IT" sz="1200" dirty="0"/>
+              <a:rPr lang="it-IT" sz="1400" b="1" dirty="0"/>
               <a:t> &gt;= </a:t>
             </a:r>
             <a:r>
-              <a:rPr lang="it-IT" sz="1200" dirty="0" err="1"/>
+              <a:rPr lang="it-IT" sz="1400" b="1" dirty="0" err="1"/>
               <a:t>num_core</a:t>
             </a:r>
-            <a:endParaRPr lang="it-IT" sz="1200" dirty="0"/>
+            <a:endParaRPr lang="it-IT" sz="1400" b="1" dirty="0"/>
           </a:p>
         </p:txBody>
       </p:sp>
@@ -3939,7 +3939,7 @@
         <p:spPr>
           <a:xfrm>
             <a:off x="4275184" y="2539120"/>
-            <a:ext cx="2055629" cy="276999"/>
+            <a:ext cx="2055629" cy="523220"/>
           </a:xfrm>
           <a:prstGeom prst="rect">
             <a:avLst/>
@@ -3953,7 +3953,7 @@
           <a:lstStyle/>
           <a:p>
             <a:r>
-              <a:rPr lang="it-IT" sz="1200" dirty="0"/>
+              <a:rPr lang="it-IT" sz="1400" b="1" dirty="0"/>
               <a:t>count_is_running &lt; num_core </a:t>
             </a:r>
           </a:p>
@@ -3974,7 +3974,7 @@
         <p:spPr>
           <a:xfrm>
             <a:off x="7085714" y="3710486"/>
-            <a:ext cx="2115879" cy="276999"/>
+            <a:ext cx="2115879" cy="523220"/>
           </a:xfrm>
           <a:prstGeom prst="rect">
             <a:avLst/>
@@ -3988,7 +3988,7 @@
           <a:lstStyle/>
           <a:p>
             <a:r>
-              <a:rPr lang="it-IT" sz="1200" dirty="0"/>
+              <a:rPr lang="it-IT" sz="1400" b="1" dirty="0"/>
               <a:t>count_is_running &lt; num_core</a:t>
             </a:r>
           </a:p>
@@ -4186,7 +4186,7 @@
         <p:spPr>
           <a:xfrm>
             <a:off x="6999139" y="829339"/>
-            <a:ext cx="1127051" cy="276999"/>
+            <a:ext cx="1267184" cy="307777"/>
           </a:xfrm>
           <a:prstGeom prst="rect">
             <a:avLst/>
@@ -4200,7 +4200,7 @@
           <a:lstStyle/>
           <a:p>
             <a:r>
-              <a:rPr lang="it-IT" sz="1200" dirty="0"/>
+              <a:rPr lang="it-IT" sz="1400" b="1" dirty="0"/>
               <a:t>duration == 0</a:t>
             </a:r>
           </a:p>
@@ -4221,7 +4221,7 @@
         <p:spPr>
           <a:xfrm>
             <a:off x="2446704" y="411030"/>
-            <a:ext cx="1673413" cy="461665"/>
+            <a:ext cx="1673413" cy="738664"/>
           </a:xfrm>
           <a:prstGeom prst="rect">
             <a:avLst/>
@@ -4235,7 +4235,7 @@
           <a:lstStyle/>
           <a:p>
             <a:r>
-              <a:rPr lang="it-IT" sz="1200" dirty="0"/>
+              <a:rPr lang="it-IT" sz="1400" b="1" dirty="0"/>
               <a:t>duration &gt; 0  &amp;&amp; time_arriving == timing</a:t>
             </a:r>
           </a:p>
@@ -4382,7 +4382,7 @@
         <p:spPr>
           <a:xfrm>
             <a:off x="8899967" y="1924768"/>
-            <a:ext cx="3125972" cy="646331"/>
+            <a:ext cx="3125972" cy="954107"/>
           </a:xfrm>
           <a:prstGeom prst="rect">
             <a:avLst/>
@@ -4396,42 +4396,42 @@
           <a:lstStyle/>
           <a:p>
             <a:r>
-              <a:rPr lang="it-IT" sz="1200" dirty="0"/>
+              <a:rPr lang="it-IT" sz="1400" b="1" dirty="0"/>
               <a:t>duration == 0  &amp;&amp; </a:t>
             </a:r>
           </a:p>
           <a:p>
             <a:r>
-              <a:rPr lang="it-IT" sz="1200" dirty="0"/>
+              <a:rPr lang="it-IT" sz="1400" b="1" dirty="0"/>
               <a:t> </a:t>
             </a:r>
             <a:r>
-              <a:rPr lang="it-IT" sz="1200" dirty="0" err="1"/>
+              <a:rPr lang="it-IT" sz="1400" b="1" dirty="0" err="1"/>
               <a:t>count</a:t>
             </a:r>
             <a:r>
-              <a:rPr lang="it-IT" sz="1200" dirty="0"/>
+              <a:rPr lang="it-IT" sz="1400" b="1" dirty="0"/>
               <a:t>(ready, waiting, running, </a:t>
             </a:r>
             <a:r>
-              <a:rPr lang="it-IT" sz="1200" dirty="0" err="1"/>
+              <a:rPr lang="it-IT" sz="1400" b="1" dirty="0" err="1"/>
               <a:t>not_state</a:t>
             </a:r>
             <a:r>
-              <a:rPr lang="it-IT" sz="1200" dirty="0"/>
+              <a:rPr lang="it-IT" sz="1400" b="1" dirty="0"/>
               <a:t>) == 0</a:t>
             </a:r>
           </a:p>
           <a:p>
             <a:r>
-              <a:rPr lang="it-IT" sz="1200" dirty="0"/>
+              <a:rPr lang="it-IT" sz="1400" b="1" dirty="0"/>
               <a:t>&amp;&amp;  timing &gt;= </a:t>
             </a:r>
             <a:r>
-              <a:rPr lang="it-IT" sz="1200" dirty="0" err="1"/>
+              <a:rPr lang="it-IT" sz="1400" b="1" dirty="0" err="1"/>
               <a:t>max_time</a:t>
             </a:r>
-            <a:endParaRPr lang="it-IT" sz="1200" dirty="0"/>
+            <a:endParaRPr lang="it-IT" sz="1400" b="1" dirty="0"/>
           </a:p>
         </p:txBody>
       </p:sp>
